--- a/presentation.pptx
+++ b/presentation.pptx
@@ -13,10 +13,10 @@
     <p:sldId id="269" r:id="rId7"/>
     <p:sldId id="270" r:id="rId8"/>
     <p:sldId id="271" r:id="rId9"/>
-    <p:sldId id="272" r:id="rId10"/>
-    <p:sldId id="273" r:id="rId11"/>
-    <p:sldId id="264" r:id="rId12"/>
-    <p:sldId id="259" r:id="rId13"/>
+    <p:sldId id="274" r:id="rId10"/>
+    <p:sldId id="272" r:id="rId11"/>
+    <p:sldId id="275" r:id="rId12"/>
+    <p:sldId id="273" r:id="rId13"/>
   </p:sldIdLst>
   <p:sldSz cx="12192000" cy="6858000"/>
   <p:notesSz cx="7104063" cy="10234613"/>
@@ -374,7 +374,7 @@
           <a:p>
             <a:fld id="{931A3752-8A8F-4359-8609-793A0769CE6F}" type="datetimeFigureOut">
               <a:rPr lang="nb-NO" smtClean="0"/>
-              <a:t>25.05.2024</a:t>
+              <a:t>29.05.2024</a:t>
             </a:fld>
             <a:endParaRPr lang="nb-NO"/>
           </a:p>
@@ -572,7 +572,7 @@
           <a:p>
             <a:fld id="{931A3752-8A8F-4359-8609-793A0769CE6F}" type="datetimeFigureOut">
               <a:rPr lang="nb-NO" smtClean="0"/>
-              <a:t>25.05.2024</a:t>
+              <a:t>29.05.2024</a:t>
             </a:fld>
             <a:endParaRPr lang="nb-NO"/>
           </a:p>
@@ -780,7 +780,7 @@
           <a:p>
             <a:fld id="{931A3752-8A8F-4359-8609-793A0769CE6F}" type="datetimeFigureOut">
               <a:rPr lang="nb-NO" smtClean="0"/>
-              <a:t>25.05.2024</a:t>
+              <a:t>29.05.2024</a:t>
             </a:fld>
             <a:endParaRPr lang="nb-NO"/>
           </a:p>
@@ -978,7 +978,7 @@
           <a:p>
             <a:fld id="{931A3752-8A8F-4359-8609-793A0769CE6F}" type="datetimeFigureOut">
               <a:rPr lang="nb-NO" smtClean="0"/>
-              <a:t>25.05.2024</a:t>
+              <a:t>29.05.2024</a:t>
             </a:fld>
             <a:endParaRPr lang="nb-NO"/>
           </a:p>
@@ -1253,7 +1253,7 @@
           <a:p>
             <a:fld id="{931A3752-8A8F-4359-8609-793A0769CE6F}" type="datetimeFigureOut">
               <a:rPr lang="nb-NO" smtClean="0"/>
-              <a:t>25.05.2024</a:t>
+              <a:t>29.05.2024</a:t>
             </a:fld>
             <a:endParaRPr lang="nb-NO"/>
           </a:p>
@@ -1518,7 +1518,7 @@
           <a:p>
             <a:fld id="{931A3752-8A8F-4359-8609-793A0769CE6F}" type="datetimeFigureOut">
               <a:rPr lang="nb-NO" smtClean="0"/>
-              <a:t>25.05.2024</a:t>
+              <a:t>29.05.2024</a:t>
             </a:fld>
             <a:endParaRPr lang="nb-NO"/>
           </a:p>
@@ -1930,7 +1930,7 @@
           <a:p>
             <a:fld id="{931A3752-8A8F-4359-8609-793A0769CE6F}" type="datetimeFigureOut">
               <a:rPr lang="nb-NO" smtClean="0"/>
-              <a:t>25.05.2024</a:t>
+              <a:t>29.05.2024</a:t>
             </a:fld>
             <a:endParaRPr lang="nb-NO"/>
           </a:p>
@@ -2071,7 +2071,7 @@
           <a:p>
             <a:fld id="{931A3752-8A8F-4359-8609-793A0769CE6F}" type="datetimeFigureOut">
               <a:rPr lang="nb-NO" smtClean="0"/>
-              <a:t>25.05.2024</a:t>
+              <a:t>29.05.2024</a:t>
             </a:fld>
             <a:endParaRPr lang="nb-NO"/>
           </a:p>
@@ -2184,7 +2184,7 @@
           <a:p>
             <a:fld id="{931A3752-8A8F-4359-8609-793A0769CE6F}" type="datetimeFigureOut">
               <a:rPr lang="nb-NO" smtClean="0"/>
-              <a:t>25.05.2024</a:t>
+              <a:t>29.05.2024</a:t>
             </a:fld>
             <a:endParaRPr lang="nb-NO"/>
           </a:p>
@@ -2495,7 +2495,7 @@
           <a:p>
             <a:fld id="{931A3752-8A8F-4359-8609-793A0769CE6F}" type="datetimeFigureOut">
               <a:rPr lang="nb-NO" smtClean="0"/>
-              <a:t>25.05.2024</a:t>
+              <a:t>29.05.2024</a:t>
             </a:fld>
             <a:endParaRPr lang="nb-NO"/>
           </a:p>
@@ -2783,7 +2783,7 @@
           <a:p>
             <a:fld id="{931A3752-8A8F-4359-8609-793A0769CE6F}" type="datetimeFigureOut">
               <a:rPr lang="nb-NO" smtClean="0"/>
-              <a:t>25.05.2024</a:t>
+              <a:t>29.05.2024</a:t>
             </a:fld>
             <a:endParaRPr lang="nb-NO"/>
           </a:p>
@@ -3024,7 +3024,7 @@
           <a:p>
             <a:fld id="{931A3752-8A8F-4359-8609-793A0769CE6F}" type="datetimeFigureOut">
               <a:rPr lang="nb-NO" smtClean="0"/>
-              <a:t>25.05.2024</a:t>
+              <a:t>29.05.2024</a:t>
             </a:fld>
             <a:endParaRPr lang="nb-NO"/>
           </a:p>
@@ -3869,15 +3869,107 @@
           <a:p>
             <a:r>
               <a:rPr lang="en-US" dirty="0"/>
-              <a:t>Conclusion</a:t>
-            </a:r>
+              <a:t>Comparison with </a:t>
+            </a:r>
+            <a:r>
+              <a:rPr lang="en-US" dirty="0" err="1"/>
+              <a:t>AlexNet</a:t>
+            </a:r>
+            <a:r>
+              <a:rPr lang="en-US" dirty="0"/>
+              <a:t> and Inception-ResNet-v2</a:t>
+            </a:r>
+          </a:p>
+        </p:txBody>
+      </p:sp>
+      <p:sp>
+        <p:nvSpPr>
+          <p:cNvPr id="6" name="TekstSylinder 5">
+            <a:extLst>
+              <a:ext uri="{FF2B5EF4-FFF2-40B4-BE49-F238E27FC236}">
+                <a16:creationId xmlns:a16="http://schemas.microsoft.com/office/drawing/2014/main" id="{2D897F66-FE7B-0E0B-DBF6-8B371A35138C}"/>
+              </a:ext>
+            </a:extLst>
+          </p:cNvPr>
+          <p:cNvSpPr txBox="1"/>
+          <p:nvPr/>
+        </p:nvSpPr>
+        <p:spPr>
+          <a:xfrm>
+            <a:off x="838200" y="2402572"/>
+            <a:ext cx="10515600" cy="3416320"/>
+          </a:xfrm>
+          <a:prstGeom prst="rect">
+            <a:avLst/>
+          </a:prstGeom>
+          <a:noFill/>
+        </p:spPr>
+        <p:txBody>
+          <a:bodyPr wrap="square">
+            <a:spAutoFit/>
+          </a:bodyPr>
+          <a:lstStyle/>
+          <a:p>
+            <a:pPr marL="285750" indent="-285750">
+              <a:buFont typeface="Arial" panose="020B0604020202020204" pitchFamily="34" charset="0"/>
+              <a:buChar char="•"/>
+            </a:pPr>
+            <a:r>
+              <a:rPr lang="en-US" sz="2400" dirty="0"/>
+              <a:t>Comparing our best performing model - the Double Deep - with two of the models used in the paper by Llamas et al. (2017) - Alex net and Inception-Res-v2. </a:t>
+            </a:r>
+          </a:p>
+          <a:p>
+            <a:pPr marL="742950" lvl="1" indent="-285750">
+              <a:buFont typeface="Arial" panose="020B0604020202020204" pitchFamily="34" charset="0"/>
+              <a:buChar char="•"/>
+            </a:pPr>
+            <a:r>
+              <a:rPr lang="en-US" sz="2400" b="1" dirty="0">
+                <a:solidFill>
+                  <a:srgbClr val="C00000"/>
+                </a:solidFill>
+              </a:rPr>
+              <a:t>Alex net </a:t>
+            </a:r>
+            <a:r>
+              <a:rPr lang="en-US" sz="2400" dirty="0"/>
+              <a:t>is a model that among others utilize stacked convolutional layers, </a:t>
+            </a:r>
+            <a:r>
+              <a:rPr lang="en-US" sz="2400" dirty="0" err="1"/>
+              <a:t>ReLU</a:t>
+            </a:r>
+            <a:r>
+              <a:rPr lang="en-US" sz="2400" dirty="0"/>
+              <a:t> activations and dropout for regularization. It achieved a remarkable performance on the ImageNet dataset in 2012. In our case, and also more commonly, Alex net is not pre-trained. </a:t>
+            </a:r>
+          </a:p>
+          <a:p>
+            <a:pPr marL="742950" lvl="1" indent="-285750">
+              <a:buFont typeface="Arial" panose="020B0604020202020204" pitchFamily="34" charset="0"/>
+              <a:buChar char="•"/>
+            </a:pPr>
+            <a:r>
+              <a:rPr lang="en-US" sz="2400" b="1" dirty="0">
+                <a:solidFill>
+                  <a:srgbClr val="C00000"/>
+                </a:solidFill>
+              </a:rPr>
+              <a:t>Inception-ResNet-v2</a:t>
+            </a:r>
+            <a:r>
+              <a:rPr lang="en-US" sz="2400" dirty="0"/>
+              <a:t>, on the other hand, is a model that is pre-trained on ImageNet data, which consists of 1000 object classes and contains 1,281,167 training images. </a:t>
+            </a:r>
+            <a:endParaRPr lang="nb-NO" sz="2400" dirty="0"/>
           </a:p>
         </p:txBody>
       </p:sp>
     </p:spTree>
     <p:extLst>
       <p:ext uri="{BB962C8B-B14F-4D97-AF65-F5344CB8AC3E}">
-        <p14:creationId xmlns:p14="http://schemas.microsoft.com/office/powerpoint/2010/main" val="2812189282"/>
+        <p14:creationId xmlns:p14="http://schemas.microsoft.com/office/powerpoint/2010/main" val="993611916"/>
       </p:ext>
     </p:extLst>
   </p:cSld>
@@ -3909,7 +4001,7 @@
           <p:cNvPr id="2" name="Title 1">
             <a:extLst>
               <a:ext uri="{FF2B5EF4-FFF2-40B4-BE49-F238E27FC236}">
-                <a16:creationId xmlns:a16="http://schemas.microsoft.com/office/drawing/2014/main" id="{BFCC1FE5-2B88-610D-A0D7-9F9DBB832EA2}"/>
+                <a16:creationId xmlns:a16="http://schemas.microsoft.com/office/drawing/2014/main" id="{99962F5E-A410-F56C-A82A-86D488ABD339}"/>
               </a:ext>
             </a:extLst>
           </p:cNvPr>
@@ -3920,19 +4012,78 @@
             <p:ph type="title"/>
           </p:nvPr>
         </p:nvSpPr>
-        <p:spPr/>
+        <p:spPr>
+          <a:gradFill>
+            <a:gsLst>
+              <a:gs pos="0">
+                <a:srgbClr val="5BC0BE"/>
+              </a:gs>
+              <a:gs pos="74000">
+                <a:schemeClr val="bg1"/>
+              </a:gs>
+              <a:gs pos="83000">
+                <a:schemeClr val="bg1"/>
+              </a:gs>
+              <a:gs pos="100000">
+                <a:schemeClr val="bg1"/>
+              </a:gs>
+            </a:gsLst>
+            <a:lin ang="5400000" scaled="1"/>
+          </a:gradFill>
+        </p:spPr>
         <p:txBody>
           <a:bodyPr/>
           <a:lstStyle/>
           <a:p>
-            <a:endParaRPr lang="en-US"/>
-          </a:p>
-        </p:txBody>
-      </p:sp>
+            <a:r>
+              <a:rPr lang="en-US" dirty="0"/>
+              <a:t>Comparison with </a:t>
+            </a:r>
+            <a:r>
+              <a:rPr lang="en-US" dirty="0" err="1"/>
+              <a:t>AlexNet</a:t>
+            </a:r>
+            <a:r>
+              <a:rPr lang="en-US" dirty="0"/>
+              <a:t> and Inception-ResNet-v2</a:t>
+            </a:r>
+          </a:p>
+        </p:txBody>
+      </p:sp>
+      <p:pic>
+        <p:nvPicPr>
+          <p:cNvPr id="4" name="Bilde 3">
+            <a:extLst>
+              <a:ext uri="{FF2B5EF4-FFF2-40B4-BE49-F238E27FC236}">
+                <a16:creationId xmlns:a16="http://schemas.microsoft.com/office/drawing/2014/main" id="{CF390526-73DA-06F2-D8B2-DE5EF13289F0}"/>
+              </a:ext>
+            </a:extLst>
+          </p:cNvPr>
+          <p:cNvPicPr>
+            <a:picLocks noChangeAspect="1"/>
+          </p:cNvPicPr>
+          <p:nvPr/>
+        </p:nvPicPr>
+        <p:blipFill>
+          <a:blip r:embed="rId2"/>
+          <a:stretch>
+            <a:fillRect/>
+          </a:stretch>
+        </p:blipFill>
+        <p:spPr>
+          <a:xfrm>
+            <a:off x="1691258" y="2502232"/>
+            <a:ext cx="8809483" cy="3520745"/>
+          </a:xfrm>
+          <a:prstGeom prst="rect">
+            <a:avLst/>
+          </a:prstGeom>
+        </p:spPr>
+      </p:pic>
     </p:spTree>
     <p:extLst>
       <p:ext uri="{BB962C8B-B14F-4D97-AF65-F5344CB8AC3E}">
-        <p14:creationId xmlns:p14="http://schemas.microsoft.com/office/powerpoint/2010/main" val="1257863662"/>
+        <p14:creationId xmlns:p14="http://schemas.microsoft.com/office/powerpoint/2010/main" val="1408776699"/>
       </p:ext>
     </p:extLst>
   </p:cSld>
@@ -3961,10 +4112,56 @@
       </p:grpSpPr>
       <p:sp>
         <p:nvSpPr>
-          <p:cNvPr id="3" name="TextBox 2">
-            <a:extLst>
-              <a:ext uri="{FF2B5EF4-FFF2-40B4-BE49-F238E27FC236}">
-                <a16:creationId xmlns:a16="http://schemas.microsoft.com/office/drawing/2014/main" id="{3BE30C24-0669-65E0-EF78-3E9529A14AE2}"/>
+          <p:cNvPr id="2" name="Title 1">
+            <a:extLst>
+              <a:ext uri="{FF2B5EF4-FFF2-40B4-BE49-F238E27FC236}">
+                <a16:creationId xmlns:a16="http://schemas.microsoft.com/office/drawing/2014/main" id="{99962F5E-A410-F56C-A82A-86D488ABD339}"/>
+              </a:ext>
+            </a:extLst>
+          </p:cNvPr>
+          <p:cNvSpPr>
+            <a:spLocks noGrp="1"/>
+          </p:cNvSpPr>
+          <p:nvPr>
+            <p:ph type="title"/>
+          </p:nvPr>
+        </p:nvSpPr>
+        <p:spPr>
+          <a:gradFill>
+            <a:gsLst>
+              <a:gs pos="0">
+                <a:srgbClr val="5BC0BE"/>
+              </a:gs>
+              <a:gs pos="74000">
+                <a:schemeClr val="bg1"/>
+              </a:gs>
+              <a:gs pos="83000">
+                <a:schemeClr val="bg1"/>
+              </a:gs>
+              <a:gs pos="100000">
+                <a:schemeClr val="bg1"/>
+              </a:gs>
+            </a:gsLst>
+            <a:lin ang="5400000" scaled="1"/>
+          </a:gradFill>
+        </p:spPr>
+        <p:txBody>
+          <a:bodyPr/>
+          <a:lstStyle/>
+          <a:p>
+            <a:r>
+              <a:rPr lang="en-US" dirty="0"/>
+              <a:t>Conclusion</a:t>
+            </a:r>
+          </a:p>
+        </p:txBody>
+      </p:sp>
+      <p:sp>
+        <p:nvSpPr>
+          <p:cNvPr id="4" name="TekstSylinder 3">
+            <a:extLst>
+              <a:ext uri="{FF2B5EF4-FFF2-40B4-BE49-F238E27FC236}">
+                <a16:creationId xmlns:a16="http://schemas.microsoft.com/office/drawing/2014/main" id="{70ABD1F1-1A08-0F48-DCA5-862350A076FB}"/>
               </a:ext>
             </a:extLst>
           </p:cNvPr>
@@ -3973,8 +4170,8 @@
         </p:nvSpPr>
         <p:spPr>
           <a:xfrm>
-            <a:off x="1019503" y="889843"/>
-            <a:ext cx="9574924" cy="3693319"/>
+            <a:off x="838200" y="2103641"/>
+            <a:ext cx="10515599" cy="3785652"/>
           </a:xfrm>
           <a:prstGeom prst="rect">
             <a:avLst/>
@@ -3987,157 +4184,68 @@
           </a:bodyPr>
           <a:lstStyle/>
           <a:p>
-            <a:pPr algn="l"/>
-            <a:r>
-              <a:rPr lang="en-GB" b="0" i="0" u="none" strike="noStrike" dirty="0">
-                <a:effectLst/>
-                <a:latin typeface="system-ui"/>
-              </a:rPr>
-              <a:t>The project is inspired by the article ‘Classification of Architectural Heritage Images Using Deep Learning Techniques’ by Llamas et al. (2017). In this article, the authors try out several CNN models – which were state-of-the-art at the time of publication – to classify architectural heritage elements. The dataset that this project uses is (almost) the same the dataset used by the article authors, which they created and made available as part of the publication project. The dataset can be found several places and in several versions. However, the dataset used in this project was downloaded from </a:t>
-            </a:r>
-            <a:r>
-              <a:rPr lang="en-GB" b="0" i="0" u="none" strike="noStrike" dirty="0">
-                <a:effectLst/>
-                <a:latin typeface="system-ui"/>
-                <a:hlinkClick r:id="rId2"/>
-              </a:rPr>
-              <a:t>https://correo.cartif.es/home/joslla@cartif.es/Briefcase/Architectural_Heritage_Elements_image_Dataset</a:t>
-            </a:r>
-            <a:endParaRPr lang="en-GB" b="0" i="0" u="none" strike="noStrike" dirty="0">
-              <a:effectLst/>
-              <a:latin typeface="system-ui"/>
-            </a:endParaRPr>
-          </a:p>
-          <a:p>
-            <a:pPr algn="l"/>
-            <a:endParaRPr lang="en-GB" b="0" i="0" u="none" strike="noStrike" dirty="0">
-              <a:effectLst/>
-              <a:latin typeface="system-ui"/>
-            </a:endParaRPr>
-          </a:p>
-          <a:p>
-            <a:pPr algn="l"/>
-            <a:r>
-              <a:rPr lang="en-GB" b="1" i="0" u="none" strike="noStrike" dirty="0">
-                <a:effectLst/>
-                <a:latin typeface="system-ui"/>
-              </a:rPr>
-              <a:t>References</a:t>
-            </a:r>
-            <a:endParaRPr lang="en-GB" b="0" i="0" u="none" strike="noStrike" dirty="0">
-              <a:effectLst/>
-              <a:latin typeface="system-ui"/>
-            </a:endParaRPr>
-          </a:p>
-          <a:p>
-            <a:pPr algn="l"/>
-            <a:r>
-              <a:rPr lang="en-GB" b="0" i="0" u="none" strike="noStrike" dirty="0">
-                <a:effectLst/>
-                <a:latin typeface="system-ui"/>
-              </a:rPr>
-              <a:t>Llamas J, M. </a:t>
-            </a:r>
-            <a:r>
-              <a:rPr lang="en-GB" b="0" i="0" u="none" strike="noStrike" dirty="0" err="1">
-                <a:effectLst/>
-                <a:latin typeface="system-ui"/>
-              </a:rPr>
-              <a:t>Lerones</a:t>
-            </a:r>
-            <a:r>
-              <a:rPr lang="en-GB" b="0" i="0" u="none" strike="noStrike" dirty="0">
-                <a:effectLst/>
-                <a:latin typeface="system-ui"/>
-              </a:rPr>
-              <a:t> P, Medina R, </a:t>
-            </a:r>
-            <a:r>
-              <a:rPr lang="en-GB" b="0" i="0" u="none" strike="noStrike" dirty="0" err="1">
-                <a:effectLst/>
-                <a:latin typeface="system-ui"/>
-              </a:rPr>
-              <a:t>Zalama</a:t>
-            </a:r>
-            <a:r>
-              <a:rPr lang="en-GB" b="0" i="0" u="none" strike="noStrike" dirty="0">
-                <a:effectLst/>
-                <a:latin typeface="system-ui"/>
-              </a:rPr>
-              <a:t> E, Gómez-García-Bermejo J. Classification of Architectural Heritage Images Using Deep Learning Techniques. Applied Sciences. 2017; 7(10):992. </a:t>
-            </a:r>
-            <a:r>
-              <a:rPr lang="en-GB" b="0" i="0" u="none" strike="noStrike" dirty="0">
-                <a:effectLst/>
-                <a:latin typeface="system-ui"/>
-                <a:hlinkClick r:id="rId3"/>
-              </a:rPr>
-              <a:t>https://doi.org/10.3390/app7100992</a:t>
-            </a:r>
-            <a:endParaRPr lang="en-GB" b="0" i="0" u="none" strike="noStrike" dirty="0">
-              <a:effectLst/>
-              <a:latin typeface="system-ui"/>
-            </a:endParaRPr>
-          </a:p>
-        </p:txBody>
-      </p:sp>
-      <p:sp>
-        <p:nvSpPr>
-          <p:cNvPr id="4" name="TextBox 3">
-            <a:extLst>
-              <a:ext uri="{FF2B5EF4-FFF2-40B4-BE49-F238E27FC236}">
-                <a16:creationId xmlns:a16="http://schemas.microsoft.com/office/drawing/2014/main" id="{4C2A94BC-2391-205A-DEC7-37B183B9016B}"/>
-              </a:ext>
-            </a:extLst>
-          </p:cNvPr>
-          <p:cNvSpPr txBox="1"/>
-          <p:nvPr/>
-        </p:nvSpPr>
-        <p:spPr>
-          <a:xfrm>
-            <a:off x="2222500" y="4583162"/>
-            <a:ext cx="8686800" cy="1754326"/>
-          </a:xfrm>
-          <a:prstGeom prst="rect">
-            <a:avLst/>
-          </a:prstGeom>
-          <a:noFill/>
-        </p:spPr>
-        <p:txBody>
-          <a:bodyPr wrap="square">
-            <a:spAutoFit/>
-          </a:bodyPr>
-          <a:lstStyle/>
-          <a:p>
-            <a:r>
-              <a:rPr lang="en-GB" b="0" i="0" u="none" strike="noStrike" dirty="0">
-                <a:effectLst/>
-                <a:latin typeface="system-ui"/>
-              </a:rPr>
-              <a:t>The aim of this final project is somewhat different from the aforementioned article. While the aim of the article was to investigate how well state-of-the-art models could classify architectural heritage elements, this project wants to explore how different network architectures and hyper parameter tuning affect performance. Nevertheless, we will also at the end of the notebook compare how our best performing model compares to the worst (</a:t>
-            </a:r>
-            <a:r>
-              <a:rPr lang="en-GB" b="0" i="0" u="none" strike="noStrike" dirty="0" err="1">
-                <a:effectLst/>
-                <a:latin typeface="system-ui"/>
-              </a:rPr>
-              <a:t>AlexNet</a:t>
-            </a:r>
-            <a:r>
-              <a:rPr lang="en-GB" b="0" i="0" u="none" strike="noStrike" dirty="0">
-                <a:effectLst/>
-                <a:latin typeface="system-ui"/>
-              </a:rPr>
-              <a:t>) and the best (Inception-ResNet-v2) performing models in the article.</a:t>
-            </a:r>
-            <a:endParaRPr lang="en-US" dirty="0"/>
+            <a:pPr marL="285750" indent="-285750">
+              <a:buFont typeface="Arial" panose="020B0604020202020204" pitchFamily="34" charset="0"/>
+              <a:buChar char="•"/>
+            </a:pPr>
+            <a:r>
+              <a:rPr lang="en-US" sz="2400" dirty="0"/>
+              <a:t>It is possible to build a CNN model that can classify architectural heritage elements into classes with a reasonably good accuracy (about for our best model 80%). </a:t>
+            </a:r>
+          </a:p>
+          <a:p>
+            <a:pPr marL="285750" indent="-285750">
+              <a:buFont typeface="Arial" panose="020B0604020202020204" pitchFamily="34" charset="0"/>
+              <a:buChar char="•"/>
+            </a:pPr>
+            <a:r>
+              <a:rPr lang="en-US" sz="2400" dirty="0"/>
+              <a:t>Architecture seems to be more important than conventional hyper parameter tuning and regularization.</a:t>
+            </a:r>
+          </a:p>
+          <a:p>
+            <a:pPr marL="285750" indent="-285750">
+              <a:buFont typeface="Arial" panose="020B0604020202020204" pitchFamily="34" charset="0"/>
+              <a:buChar char="•"/>
+            </a:pPr>
+            <a:r>
+              <a:rPr lang="en-US" sz="2400" dirty="0"/>
+              <a:t>Both depth and double convolution layers add positively to performance and the combination produces very good results.</a:t>
+            </a:r>
+          </a:p>
+          <a:p>
+            <a:pPr marL="285750" indent="-285750">
+              <a:buFont typeface="Arial" panose="020B0604020202020204" pitchFamily="34" charset="0"/>
+              <a:buChar char="•"/>
+            </a:pPr>
+            <a:r>
+              <a:rPr lang="en-US" sz="2400" dirty="0"/>
+              <a:t>Pre-trained models, such as </a:t>
+            </a:r>
+            <a:r>
+              <a:rPr lang="en-US" sz="2400" dirty="0" err="1"/>
+              <a:t>InceptionResNet</a:t>
+            </a:r>
+            <a:r>
+              <a:rPr lang="en-US" sz="2400" dirty="0"/>
+              <a:t> v2, tend to outperform model which have not been trained in advance. In our case, the </a:t>
+            </a:r>
+            <a:r>
+              <a:rPr lang="en-US" sz="2400" dirty="0" err="1"/>
+              <a:t>InceptionResNet</a:t>
+            </a:r>
+            <a:r>
+              <a:rPr lang="en-US" sz="2400" dirty="0"/>
+              <a:t> model managed to classify 92% of the elements correctly.</a:t>
+            </a:r>
+            <a:endParaRPr lang="nb-NO" sz="2400" dirty="0"/>
           </a:p>
         </p:txBody>
       </p:sp>
     </p:spTree>
     <p:extLst>
       <p:ext uri="{BB962C8B-B14F-4D97-AF65-F5344CB8AC3E}">
-        <p14:creationId xmlns:p14="http://schemas.microsoft.com/office/powerpoint/2010/main" val="3148539144"/>
+        <p14:creationId xmlns:p14="http://schemas.microsoft.com/office/powerpoint/2010/main" val="2812189282"/>
       </p:ext>
     </p:extLst>
   </p:cSld>
@@ -4258,7 +4366,11 @@
               <a:t>create a Convolutional Neural Network (CNN) that can </a:t>
             </a:r>
             <a:r>
-              <a:rPr lang="en-US" b="1" dirty="0"/>
+              <a:rPr lang="en-US" b="1" dirty="0">
+                <a:solidFill>
+                  <a:srgbClr val="C00000"/>
+                </a:solidFill>
+              </a:rPr>
               <a:t>classify architectural heritage elements </a:t>
             </a:r>
             <a:r>
@@ -4272,7 +4384,11 @@
               <a:t>try out different types of neural network </a:t>
             </a:r>
             <a:r>
-              <a:rPr lang="en-US" b="1" dirty="0"/>
+              <a:rPr lang="en-US" b="1" dirty="0">
+                <a:solidFill>
+                  <a:srgbClr val="C00000"/>
+                </a:solidFill>
+              </a:rPr>
               <a:t>architectures</a:t>
             </a:r>
             <a:r>
@@ -4280,7 +4396,11 @@
               <a:t> and </a:t>
             </a:r>
             <a:r>
-              <a:rPr lang="en-US" b="1" dirty="0"/>
+              <a:rPr lang="en-US" b="1" dirty="0">
+                <a:solidFill>
+                  <a:srgbClr val="C00000"/>
+                </a:solidFill>
+              </a:rPr>
               <a:t>hyper parameter tuning</a:t>
             </a:r>
             <a:r>
@@ -4721,7 +4841,6 @@
             <a:r>
               <a:rPr lang="en-GB" b="0" i="0" u="none" strike="noStrike" dirty="0">
                 <a:effectLst/>
-                <a:latin typeface="system-ui"/>
               </a:rPr>
               <a:t>The dataset was created and made available as part of the Llamas et al. (2017) article mention before.</a:t>
             </a:r>
@@ -4732,9 +4851,7 @@
               <a:buChar char="•"/>
             </a:pPr>
             <a:r>
-              <a:rPr lang="en-GB" dirty="0">
-                <a:latin typeface="system-ui"/>
-              </a:rPr>
+              <a:rPr lang="en-GB" dirty="0"/>
               <a:t>The dataset consists of </a:t>
             </a:r>
             <a:r>
@@ -4742,14 +4859,11 @@
               <a:t>10543 images classified into 11 categories</a:t>
             </a:r>
             <a:r>
-              <a:rPr lang="en-GB" dirty="0">
-                <a:latin typeface="system-ui"/>
-              </a:rPr>
+              <a:rPr lang="en-GB" dirty="0"/>
               <a:t> </a:t>
             </a:r>
             <a:endParaRPr lang="en-GB" b="0" i="0" u="none" strike="noStrike" dirty="0">
               <a:effectLst/>
-              <a:latin typeface="system-ui"/>
             </a:endParaRPr>
           </a:p>
           <a:p>
@@ -4760,47 +4874,38 @@
             <a:r>
               <a:rPr lang="en-GB" b="0" i="0" u="none" strike="noStrike" dirty="0">
                 <a:effectLst/>
-                <a:latin typeface="system-ui"/>
               </a:rPr>
               <a:t>The dataset can be found several places and in several versions. </a:t>
             </a:r>
             <a:r>
-              <a:rPr lang="en-GB" dirty="0">
-                <a:latin typeface="system-ui"/>
-              </a:rPr>
+              <a:rPr lang="en-GB" dirty="0"/>
               <a:t>T</a:t>
             </a:r>
             <a:r>
               <a:rPr lang="en-GB" b="0" i="0" u="none" strike="noStrike" dirty="0">
                 <a:effectLst/>
-                <a:latin typeface="system-ui"/>
               </a:rPr>
               <a:t>his project </a:t>
             </a:r>
             <a:r>
-              <a:rPr lang="en-GB" dirty="0">
-                <a:latin typeface="system-ui"/>
-              </a:rPr>
+              <a:rPr lang="en-GB" dirty="0"/>
               <a:t>used</a:t>
             </a:r>
             <a:r>
               <a:rPr lang="en-GB" b="0" i="0" u="none" strike="noStrike" dirty="0">
                 <a:effectLst/>
-                <a:latin typeface="system-ui"/>
               </a:rPr>
               <a:t> </a:t>
             </a:r>
             <a:r>
               <a:rPr lang="en-GB" b="0" i="0" u="none" strike="noStrike" dirty="0">
                 <a:effectLst/>
-                <a:latin typeface="system-ui"/>
                 <a:hlinkClick r:id="rId3"/>
               </a:rPr>
               <a:t>https://correo.cartif.es/home/joslla@cartif.es/Briefcase/Architectural_Heritage_Elements_image_Dataset</a:t>
             </a:r>
             <a:endParaRPr lang="en-GB" b="0" i="0" u="none" strike="noStrike" dirty="0">
               <a:effectLst/>
-              <a:latin typeface="system-ui"/>
             </a:endParaRPr>
           </a:p>
         </p:txBody>
@@ -4911,88 +5016,6 @@
           </a:prstGeom>
         </p:spPr>
       </p:pic>
-      <p:sp>
-        <p:nvSpPr>
-          <p:cNvPr id="4" name="TextBox 3">
-            <a:extLst>
-              <a:ext uri="{FF2B5EF4-FFF2-40B4-BE49-F238E27FC236}">
-                <a16:creationId xmlns:a16="http://schemas.microsoft.com/office/drawing/2014/main" id="{9E3FC4C1-4E1A-368E-A32A-5C057F0D781A}"/>
-              </a:ext>
-            </a:extLst>
-          </p:cNvPr>
-          <p:cNvSpPr txBox="1"/>
-          <p:nvPr/>
-        </p:nvSpPr>
-        <p:spPr>
-          <a:xfrm>
-            <a:off x="838200" y="2716719"/>
-            <a:ext cx="4713234" cy="3046988"/>
-          </a:xfrm>
-          <a:prstGeom prst="rect">
-            <a:avLst/>
-          </a:prstGeom>
-          <a:noFill/>
-        </p:spPr>
-        <p:txBody>
-          <a:bodyPr wrap="square">
-            <a:spAutoFit/>
-          </a:bodyPr>
-          <a:lstStyle/>
-          <a:p>
-            <a:pPr marL="285750" indent="-285750">
-              <a:buFont typeface="Arial" panose="020B0604020202020204" pitchFamily="34" charset="0"/>
-              <a:buChar char="•"/>
-            </a:pPr>
-            <a:r>
-              <a:rPr lang="en-GB" sz="2400" b="0" i="0" u="none" strike="noStrike" dirty="0">
-                <a:effectLst/>
-                <a:highlight>
-                  <a:srgbClr val="FFFFFF"/>
-                </a:highlight>
-                <a:latin typeface="system-ui"/>
-              </a:rPr>
-              <a:t>The images are unevenly distributed among the categories</a:t>
-            </a:r>
-          </a:p>
-          <a:p>
-            <a:pPr marL="285750" indent="-285750">
-              <a:buFont typeface="Arial" panose="020B0604020202020204" pitchFamily="34" charset="0"/>
-              <a:buChar char="•"/>
-            </a:pPr>
-            <a:r>
-              <a:rPr lang="en-GB" sz="2400" b="0" i="0" u="none" strike="noStrike" dirty="0">
-                <a:effectLst/>
-                <a:highlight>
-                  <a:srgbClr val="FFFFFF"/>
-                </a:highlight>
-                <a:latin typeface="system-ui"/>
-              </a:rPr>
-              <a:t>Since portal makes up such a small amount of the total dataset (2.9%) and was not part of the </a:t>
-            </a:r>
-            <a:r>
-              <a:rPr lang="en-GB" sz="2400" b="0" i="0" u="none" strike="noStrike" dirty="0">
-                <a:effectLst/>
-                <a:latin typeface="system-ui"/>
-              </a:rPr>
-              <a:t>Llamas et al. (2017) study</a:t>
-            </a:r>
-            <a:r>
-              <a:rPr lang="en-GB" sz="2400" b="0" i="0" u="none" strike="noStrike" dirty="0">
-                <a:effectLst/>
-                <a:highlight>
-                  <a:srgbClr val="FFFFFF"/>
-                </a:highlight>
-                <a:latin typeface="system-ui"/>
-              </a:rPr>
-              <a:t>, we will drop this category when we develop our model</a:t>
-            </a:r>
-            <a:endParaRPr lang="en-GB" sz="2400" b="0" i="0" u="none" strike="noStrike" dirty="0">
-              <a:effectLst/>
-              <a:latin typeface="system-ui"/>
-            </a:endParaRPr>
-          </a:p>
-        </p:txBody>
-      </p:sp>
     </p:spTree>
     <p:extLst>
       <p:ext uri="{BB962C8B-B14F-4D97-AF65-F5344CB8AC3E}">
@@ -5097,7 +5120,7 @@
         </p:blipFill>
         <p:spPr>
           <a:xfrm>
-            <a:off x="1972003" y="1853379"/>
+            <a:off x="4587383" y="1853379"/>
             <a:ext cx="8247993" cy="4639496"/>
           </a:xfrm>
           <a:prstGeom prst="rect">
@@ -5105,6 +5128,70 @@
           </a:prstGeom>
         </p:spPr>
       </p:pic>
+      <p:sp>
+        <p:nvSpPr>
+          <p:cNvPr id="3" name="TextBox 3">
+            <a:extLst>
+              <a:ext uri="{FF2B5EF4-FFF2-40B4-BE49-F238E27FC236}">
+                <a16:creationId xmlns:a16="http://schemas.microsoft.com/office/drawing/2014/main" id="{D88DBD9B-57FD-36C5-8BA6-3838AE72AD7A}"/>
+              </a:ext>
+            </a:extLst>
+          </p:cNvPr>
+          <p:cNvSpPr txBox="1"/>
+          <p:nvPr/>
+        </p:nvSpPr>
+        <p:spPr>
+          <a:xfrm>
+            <a:off x="838200" y="2095635"/>
+            <a:ext cx="3749183" cy="2308324"/>
+          </a:xfrm>
+          <a:prstGeom prst="rect">
+            <a:avLst/>
+          </a:prstGeom>
+          <a:noFill/>
+        </p:spPr>
+        <p:txBody>
+          <a:bodyPr wrap="square">
+            <a:spAutoFit/>
+          </a:bodyPr>
+          <a:lstStyle/>
+          <a:p>
+            <a:pPr marL="285750" indent="-285750">
+              <a:buFont typeface="Arial" panose="020B0604020202020204" pitchFamily="34" charset="0"/>
+              <a:buChar char="•"/>
+            </a:pPr>
+            <a:r>
+              <a:rPr lang="en-US" sz="2400" dirty="0"/>
+              <a:t>We try to improve the accuracy of our prediction by making use of two specific architectural principles – </a:t>
+            </a:r>
+            <a:r>
+              <a:rPr lang="en-US" sz="2400" b="1" dirty="0">
+                <a:solidFill>
+                  <a:srgbClr val="C00000"/>
+                </a:solidFill>
+              </a:rPr>
+              <a:t>depth</a:t>
+            </a:r>
+            <a:r>
+              <a:rPr lang="en-US" sz="2400" dirty="0"/>
+              <a:t> and </a:t>
+            </a:r>
+            <a:r>
+              <a:rPr lang="en-US" sz="2400" b="1" dirty="0">
+                <a:solidFill>
+                  <a:srgbClr val="C00000"/>
+                </a:solidFill>
+              </a:rPr>
+              <a:t>doble convolution layer </a:t>
+            </a:r>
+            <a:endParaRPr lang="en-GB" sz="2400" b="1" dirty="0">
+              <a:solidFill>
+                <a:srgbClr val="C00000"/>
+              </a:solidFill>
+            </a:endParaRPr>
+          </a:p>
+        </p:txBody>
+      </p:sp>
     </p:spTree>
     <p:extLst>
       <p:ext uri="{BB962C8B-B14F-4D97-AF65-F5344CB8AC3E}">
@@ -5183,10 +5270,10 @@
       </p:sp>
       <p:pic>
         <p:nvPicPr>
-          <p:cNvPr id="3" name="Picture 2">
-            <a:extLst>
-              <a:ext uri="{FF2B5EF4-FFF2-40B4-BE49-F238E27FC236}">
-                <a16:creationId xmlns:a16="http://schemas.microsoft.com/office/drawing/2014/main" id="{937B9E2B-BDC9-BE90-79D1-E26FEDDA0993}"/>
+          <p:cNvPr id="5" name="Bilde 4">
+            <a:extLst>
+              <a:ext uri="{FF2B5EF4-FFF2-40B4-BE49-F238E27FC236}">
+                <a16:creationId xmlns:a16="http://schemas.microsoft.com/office/drawing/2014/main" id="{4D08BD3A-6180-C13A-F4BC-9FF3BAA149E6}"/>
               </a:ext>
             </a:extLst>
           </p:cNvPr>
@@ -5203,14 +5290,64 @@
         </p:blipFill>
         <p:spPr>
           <a:xfrm>
-            <a:off x="3581400" y="2493696"/>
-            <a:ext cx="7772400" cy="3039008"/>
+            <a:off x="3605490" y="2298898"/>
+            <a:ext cx="8033445" cy="3026393"/>
           </a:xfrm>
           <a:prstGeom prst="rect">
             <a:avLst/>
           </a:prstGeom>
         </p:spPr>
       </p:pic>
+      <p:sp>
+        <p:nvSpPr>
+          <p:cNvPr id="7" name="TekstSylinder 6">
+            <a:extLst>
+              <a:ext uri="{FF2B5EF4-FFF2-40B4-BE49-F238E27FC236}">
+                <a16:creationId xmlns:a16="http://schemas.microsoft.com/office/drawing/2014/main" id="{C85794D4-20E3-E39C-9BB2-2C331B5D4CF5}"/>
+              </a:ext>
+            </a:extLst>
+          </p:cNvPr>
+          <p:cNvSpPr txBox="1"/>
+          <p:nvPr/>
+        </p:nvSpPr>
+        <p:spPr>
+          <a:xfrm>
+            <a:off x="838200" y="2185970"/>
+            <a:ext cx="2457237" cy="3139321"/>
+          </a:xfrm>
+          <a:prstGeom prst="rect">
+            <a:avLst/>
+          </a:prstGeom>
+          <a:noFill/>
+        </p:spPr>
+        <p:txBody>
+          <a:bodyPr wrap="square">
+            <a:spAutoFit/>
+          </a:bodyPr>
+          <a:lstStyle/>
+          <a:p>
+            <a:pPr marL="285750" indent="-285750">
+              <a:buFont typeface="Arial" panose="020B0604020202020204" pitchFamily="34" charset="0"/>
+              <a:buChar char="•"/>
+            </a:pPr>
+            <a:r>
+              <a:rPr lang="en-US" dirty="0"/>
+              <a:t>The Double Deep model outperforms the other three architectures (at least when we look at accuracy). </a:t>
+            </a:r>
+          </a:p>
+          <a:p>
+            <a:pPr marL="285750" indent="-285750">
+              <a:buFont typeface="Arial" panose="020B0604020202020204" pitchFamily="34" charset="0"/>
+              <a:buChar char="•"/>
+            </a:pPr>
+            <a:r>
+              <a:rPr lang="en-US" dirty="0"/>
+              <a:t>An even deeper model architecture could perhaps have resulted in even better results.</a:t>
+            </a:r>
+            <a:endParaRPr lang="nb-NO" dirty="0"/>
+          </a:p>
+        </p:txBody>
+      </p:sp>
     </p:spTree>
     <p:extLst>
       <p:ext uri="{BB962C8B-B14F-4D97-AF65-F5344CB8AC3E}">
@@ -5301,8 +5438,8 @@
         </p:nvSpPr>
         <p:spPr>
           <a:xfrm>
-            <a:off x="756745" y="1690688"/>
-            <a:ext cx="6096000" cy="4801314"/>
+            <a:off x="838200" y="2044649"/>
+            <a:ext cx="10597055" cy="3416320"/>
           </a:xfrm>
           <a:prstGeom prst="rect">
             <a:avLst/>
@@ -5315,18 +5452,90 @@
           </a:bodyPr>
           <a:lstStyle/>
           <a:p>
-            <a:r>
-              <a:rPr lang="en-US" dirty="0"/>
-              <a:t>In this part of the assignment, we will try out different techniques to improve the training or performance. There are many methods one can use to improve the performance of a CNN - such as trying out different optimizers, adding L2 regularization to the neurons in the network, altering the number of neurons dropped by the dropout layers, carrying out batch normalization and trying out different learning rates - to mention a few.</a:t>
-            </a:r>
-          </a:p>
-          <a:p>
-            <a:endParaRPr lang="en-US" dirty="0"/>
-          </a:p>
-          <a:p>
-            <a:r>
-              <a:rPr lang="en-US" dirty="0"/>
-              <a:t>However, the time to train a CNN can be fairly long, and we will not be able in this assignment to test all of these techniques. We will focus on testing the impact of optimizers and L2 regularization. More specifically, we will test whether another optimizer - RMSprop - can produce better results, and we will see if L2 regularization factor of 0.001 and 0.01 can increase the accuracy. In all cases, we will use our top performing model, which is the Double Deep CNN model.</a:t>
+            <a:pPr marL="285750" indent="-285750">
+              <a:buFont typeface="Arial" panose="020B0604020202020204" pitchFamily="34" charset="0"/>
+              <a:buChar char="•"/>
+            </a:pPr>
+            <a:r>
+              <a:rPr lang="en-US" sz="2400" dirty="0"/>
+              <a:t>There are many methods one can use to improve the performance of a CNN </a:t>
+            </a:r>
+          </a:p>
+          <a:p>
+            <a:pPr marL="742950" lvl="1" indent="-285750">
+              <a:buFont typeface="Arial" panose="020B0604020202020204" pitchFamily="34" charset="0"/>
+              <a:buChar char="•"/>
+            </a:pPr>
+            <a:r>
+              <a:rPr lang="en-US" sz="2400" dirty="0"/>
+              <a:t>trying out different optimizers, </a:t>
+            </a:r>
+          </a:p>
+          <a:p>
+            <a:pPr marL="742950" lvl="1" indent="-285750">
+              <a:buFont typeface="Arial" panose="020B0604020202020204" pitchFamily="34" charset="0"/>
+              <a:buChar char="•"/>
+            </a:pPr>
+            <a:r>
+              <a:rPr lang="en-US" sz="2400" dirty="0"/>
+              <a:t>adding L2 regularization to the neurons in the network, </a:t>
+            </a:r>
+          </a:p>
+          <a:p>
+            <a:pPr marL="742950" lvl="1" indent="-285750">
+              <a:buFont typeface="Arial" panose="020B0604020202020204" pitchFamily="34" charset="0"/>
+              <a:buChar char="•"/>
+            </a:pPr>
+            <a:r>
+              <a:rPr lang="en-US" sz="2400" dirty="0"/>
+              <a:t>altering the number of neurons dropped by the dropout layers, </a:t>
+            </a:r>
+          </a:p>
+          <a:p>
+            <a:pPr marL="742950" lvl="1" indent="-285750">
+              <a:buFont typeface="Arial" panose="020B0604020202020204" pitchFamily="34" charset="0"/>
+              <a:buChar char="•"/>
+            </a:pPr>
+            <a:r>
+              <a:rPr lang="en-US" sz="2400" dirty="0"/>
+              <a:t>carrying out batch normalization and trying out different learning rates</a:t>
+            </a:r>
+          </a:p>
+          <a:p>
+            <a:pPr marL="285750" indent="-285750">
+              <a:buFont typeface="Arial" panose="020B0604020202020204" pitchFamily="34" charset="0"/>
+              <a:buChar char="•"/>
+            </a:pPr>
+            <a:endParaRPr lang="en-US" sz="2400" dirty="0"/>
+          </a:p>
+          <a:p>
+            <a:pPr marL="285750" indent="-285750">
+              <a:buFont typeface="Arial" panose="020B0604020202020204" pitchFamily="34" charset="0"/>
+              <a:buChar char="•"/>
+            </a:pPr>
+            <a:r>
+              <a:rPr lang="en-US" sz="2400" dirty="0"/>
+              <a:t>We will focus on testing the impact of optimizers and L2 regularization.</a:t>
+            </a:r>
+          </a:p>
+          <a:p>
+            <a:pPr marL="742950" lvl="1" indent="-285750">
+              <a:buFont typeface="Arial" panose="020B0604020202020204" pitchFamily="34" charset="0"/>
+              <a:buChar char="•"/>
+            </a:pPr>
+            <a:r>
+              <a:rPr lang="en-US" sz="2400" dirty="0"/>
+              <a:t>RMSprop </a:t>
+            </a:r>
+          </a:p>
+          <a:p>
+            <a:pPr marL="742950" lvl="1" indent="-285750">
+              <a:buFont typeface="Arial" panose="020B0604020202020204" pitchFamily="34" charset="0"/>
+              <a:buChar char="•"/>
+            </a:pPr>
+            <a:r>
+              <a:rPr lang="en-US" sz="2400" dirty="0"/>
+              <a:t>L2 regularization factor of 0.001 and 0.01</a:t>
             </a:r>
           </a:p>
         </p:txBody>
@@ -5402,23 +5611,144 @@
           <a:p>
             <a:r>
               <a:rPr lang="en-US" dirty="0"/>
-              <a:t>Comparison with </a:t>
-            </a:r>
-            <a:r>
-              <a:rPr lang="en-US" dirty="0" err="1"/>
-              <a:t>AlexNet</a:t>
-            </a:r>
-            <a:r>
-              <a:rPr lang="en-US" dirty="0"/>
-              <a:t> and Inception-ResNet-v2</a:t>
-            </a:r>
-          </a:p>
-        </p:txBody>
-      </p:sp>
+              <a:t>Results and Analysis</a:t>
+            </a:r>
+          </a:p>
+        </p:txBody>
+      </p:sp>
+      <p:sp>
+        <p:nvSpPr>
+          <p:cNvPr id="5" name="TextBox 4">
+            <a:extLst>
+              <a:ext uri="{FF2B5EF4-FFF2-40B4-BE49-F238E27FC236}">
+                <a16:creationId xmlns:a16="http://schemas.microsoft.com/office/drawing/2014/main" id="{2EC7B69C-D1B6-C8A0-E05C-7B52D2A67A24}"/>
+              </a:ext>
+            </a:extLst>
+          </p:cNvPr>
+          <p:cNvSpPr txBox="1"/>
+          <p:nvPr/>
+        </p:nvSpPr>
+        <p:spPr>
+          <a:xfrm>
+            <a:off x="838200" y="1845193"/>
+            <a:ext cx="3969774" cy="4524315"/>
+          </a:xfrm>
+          <a:prstGeom prst="rect">
+            <a:avLst/>
+          </a:prstGeom>
+          <a:noFill/>
+        </p:spPr>
+        <p:txBody>
+          <a:bodyPr wrap="square">
+            <a:spAutoFit/>
+          </a:bodyPr>
+          <a:lstStyle/>
+          <a:p>
+            <a:pPr marL="285750" indent="-285750">
+              <a:buFont typeface="Arial" panose="020B0604020202020204" pitchFamily="34" charset="0"/>
+              <a:buChar char="•"/>
+            </a:pPr>
+            <a:r>
+              <a:rPr lang="en-US" sz="2400" dirty="0"/>
+              <a:t>Altering the optimizer to </a:t>
+            </a:r>
+            <a:r>
+              <a:rPr lang="en-US" sz="2400" b="1" dirty="0">
+                <a:solidFill>
+                  <a:srgbClr val="C00000"/>
+                </a:solidFill>
+              </a:rPr>
+              <a:t>RMSprop</a:t>
+            </a:r>
+            <a:r>
+              <a:rPr lang="en-US" sz="2400" dirty="0"/>
+              <a:t> did not improve model performance. Adam, had the same accuracy, but with a slightly lower loss.</a:t>
+            </a:r>
+          </a:p>
+          <a:p>
+            <a:pPr marL="285750" indent="-285750">
+              <a:buFont typeface="Arial" panose="020B0604020202020204" pitchFamily="34" charset="0"/>
+              <a:buChar char="•"/>
+            </a:pPr>
+            <a:r>
+              <a:rPr lang="en-US" sz="2400" b="1" dirty="0">
+                <a:solidFill>
+                  <a:srgbClr val="C00000"/>
+                </a:solidFill>
+              </a:rPr>
+              <a:t>L2 regularization </a:t>
+            </a:r>
+            <a:r>
+              <a:rPr lang="en-US" sz="2400" dirty="0"/>
+              <a:t>did not lead to any improvement either. The combination of a lot of data, a dropout layer and a l2 regularization seem to have resulted in over-regularization.</a:t>
+            </a:r>
+          </a:p>
+        </p:txBody>
+      </p:sp>
+      <p:pic>
+        <p:nvPicPr>
+          <p:cNvPr id="4" name="Bilde 3">
+            <a:extLst>
+              <a:ext uri="{FF2B5EF4-FFF2-40B4-BE49-F238E27FC236}">
+                <a16:creationId xmlns:a16="http://schemas.microsoft.com/office/drawing/2014/main" id="{EF2FA1CA-38E3-1A6C-A9B4-7E1290FA2D5B}"/>
+              </a:ext>
+            </a:extLst>
+          </p:cNvPr>
+          <p:cNvPicPr>
+            <a:picLocks noChangeAspect="1"/>
+          </p:cNvPicPr>
+          <p:nvPr/>
+        </p:nvPicPr>
+        <p:blipFill>
+          <a:blip r:embed="rId2"/>
+          <a:stretch>
+            <a:fillRect/>
+          </a:stretch>
+        </p:blipFill>
+        <p:spPr>
+          <a:xfrm>
+            <a:off x="5317435" y="1845193"/>
+            <a:ext cx="6036365" cy="2362745"/>
+          </a:xfrm>
+          <a:prstGeom prst="rect">
+            <a:avLst/>
+          </a:prstGeom>
+        </p:spPr>
+      </p:pic>
+      <p:pic>
+        <p:nvPicPr>
+          <p:cNvPr id="7" name="Bilde 6">
+            <a:extLst>
+              <a:ext uri="{FF2B5EF4-FFF2-40B4-BE49-F238E27FC236}">
+                <a16:creationId xmlns:a16="http://schemas.microsoft.com/office/drawing/2014/main" id="{92006252-5A2F-1EFE-8230-45491739AAC4}"/>
+              </a:ext>
+            </a:extLst>
+          </p:cNvPr>
+          <p:cNvPicPr>
+            <a:picLocks noChangeAspect="1"/>
+          </p:cNvPicPr>
+          <p:nvPr/>
+        </p:nvPicPr>
+        <p:blipFill>
+          <a:blip r:embed="rId3"/>
+          <a:stretch>
+            <a:fillRect/>
+          </a:stretch>
+        </p:blipFill>
+        <p:spPr>
+          <a:xfrm>
+            <a:off x="5317435" y="4362443"/>
+            <a:ext cx="6194113" cy="2386080"/>
+          </a:xfrm>
+          <a:prstGeom prst="rect">
+            <a:avLst/>
+          </a:prstGeom>
+        </p:spPr>
+      </p:pic>
     </p:spTree>
     <p:extLst>
       <p:ext uri="{BB962C8B-B14F-4D97-AF65-F5344CB8AC3E}">
-        <p14:creationId xmlns:p14="http://schemas.microsoft.com/office/powerpoint/2010/main" val="993611916"/>
+        <p14:creationId xmlns:p14="http://schemas.microsoft.com/office/powerpoint/2010/main" val="3825140215"/>
       </p:ext>
     </p:extLst>
   </p:cSld>

--- a/presentation.pptx
+++ b/presentation.pptx
@@ -4,6 +4,9 @@
   <p:sldMasterIdLst>
     <p:sldMasterId id="2147483648" r:id="rId1"/>
   </p:sldMasterIdLst>
+  <p:notesMasterIdLst>
+    <p:notesMasterId r:id="rId14"/>
+  </p:notesMasterIdLst>
   <p:sldIdLst>
     <p:sldId id="261" r:id="rId2"/>
     <p:sldId id="265" r:id="rId3"/>
@@ -227,6 +230,481 @@
 </pc:chgInfo>
 </file>
 
+<file path=ppt/notesMasters/notesMaster1.xml><?xml version="1.0" encoding="utf-8"?>
+<p:notesMaster xmlns:a="http://schemas.openxmlformats.org/drawingml/2006/main" xmlns:r="http://schemas.openxmlformats.org/officeDocument/2006/relationships" xmlns:p="http://schemas.openxmlformats.org/presentationml/2006/main">
+  <p:cSld>
+    <p:bg>
+      <p:bgRef idx="1001">
+        <a:schemeClr val="bg1"/>
+      </p:bgRef>
+    </p:bg>
+    <p:spTree>
+      <p:nvGrpSpPr>
+        <p:cNvPr id="1" name=""/>
+        <p:cNvGrpSpPr/>
+        <p:nvPr/>
+      </p:nvGrpSpPr>
+      <p:grpSpPr>
+        <a:xfrm>
+          <a:off x="0" y="0"/>
+          <a:ext cx="0" cy="0"/>
+          <a:chOff x="0" y="0"/>
+          <a:chExt cx="0" cy="0"/>
+        </a:xfrm>
+      </p:grpSpPr>
+      <p:sp>
+        <p:nvSpPr>
+          <p:cNvPr id="2" name="Plassholder for topptekst 1"/>
+          <p:cNvSpPr>
+            <a:spLocks noGrp="1"/>
+          </p:cNvSpPr>
+          <p:nvPr>
+            <p:ph type="hdr" sz="quarter"/>
+          </p:nvPr>
+        </p:nvSpPr>
+        <p:spPr>
+          <a:xfrm>
+            <a:off x="0" y="0"/>
+            <a:ext cx="3078163" cy="512763"/>
+          </a:xfrm>
+          <a:prstGeom prst="rect">
+            <a:avLst/>
+          </a:prstGeom>
+        </p:spPr>
+        <p:txBody>
+          <a:bodyPr vert="horz" lIns="91440" tIns="45720" rIns="91440" bIns="45720" rtlCol="0"/>
+          <a:lstStyle>
+            <a:lvl1pPr algn="l">
+              <a:defRPr sz="1200"/>
+            </a:lvl1pPr>
+          </a:lstStyle>
+          <a:p>
+            <a:endParaRPr lang="nb-NO"/>
+          </a:p>
+        </p:txBody>
+      </p:sp>
+      <p:sp>
+        <p:nvSpPr>
+          <p:cNvPr id="3" name="Plassholder for dato 2"/>
+          <p:cNvSpPr>
+            <a:spLocks noGrp="1"/>
+          </p:cNvSpPr>
+          <p:nvPr>
+            <p:ph type="dt" idx="1"/>
+          </p:nvPr>
+        </p:nvSpPr>
+        <p:spPr>
+          <a:xfrm>
+            <a:off x="4024313" y="0"/>
+            <a:ext cx="3078162" cy="512763"/>
+          </a:xfrm>
+          <a:prstGeom prst="rect">
+            <a:avLst/>
+          </a:prstGeom>
+        </p:spPr>
+        <p:txBody>
+          <a:bodyPr vert="horz" lIns="91440" tIns="45720" rIns="91440" bIns="45720" rtlCol="0"/>
+          <a:lstStyle>
+            <a:lvl1pPr algn="r">
+              <a:defRPr sz="1200"/>
+            </a:lvl1pPr>
+          </a:lstStyle>
+          <a:p>
+            <a:fld id="{1F3DEF92-7734-48B3-9F22-F62A2BB540A2}" type="datetimeFigureOut">
+              <a:rPr lang="nb-NO" smtClean="0"/>
+              <a:t>30.05.2024</a:t>
+            </a:fld>
+            <a:endParaRPr lang="nb-NO"/>
+          </a:p>
+        </p:txBody>
+      </p:sp>
+      <p:sp>
+        <p:nvSpPr>
+          <p:cNvPr id="4" name="Plassholder for lysbilde 3"/>
+          <p:cNvSpPr>
+            <a:spLocks noGrp="1" noRot="1" noChangeAspect="1"/>
+          </p:cNvSpPr>
+          <p:nvPr>
+            <p:ph type="sldImg" idx="2"/>
+          </p:nvPr>
+        </p:nvSpPr>
+        <p:spPr>
+          <a:xfrm>
+            <a:off x="482600" y="1279525"/>
+            <a:ext cx="6140450" cy="3454400"/>
+          </a:xfrm>
+          <a:prstGeom prst="rect">
+            <a:avLst/>
+          </a:prstGeom>
+          <a:noFill/>
+          <a:ln w="12700">
+            <a:solidFill>
+              <a:prstClr val="black"/>
+            </a:solidFill>
+          </a:ln>
+        </p:spPr>
+        <p:txBody>
+          <a:bodyPr vert="horz" lIns="91440" tIns="45720" rIns="91440" bIns="45720" rtlCol="0" anchor="ctr"/>
+          <a:lstStyle/>
+          <a:p>
+            <a:endParaRPr lang="nb-NO"/>
+          </a:p>
+        </p:txBody>
+      </p:sp>
+      <p:sp>
+        <p:nvSpPr>
+          <p:cNvPr id="5" name="Plassholder for notater 4"/>
+          <p:cNvSpPr>
+            <a:spLocks noGrp="1"/>
+          </p:cNvSpPr>
+          <p:nvPr>
+            <p:ph type="body" sz="quarter" idx="3"/>
+          </p:nvPr>
+        </p:nvSpPr>
+        <p:spPr>
+          <a:xfrm>
+            <a:off x="711200" y="4926013"/>
+            <a:ext cx="5683250" cy="4029075"/>
+          </a:xfrm>
+          <a:prstGeom prst="rect">
+            <a:avLst/>
+          </a:prstGeom>
+        </p:spPr>
+        <p:txBody>
+          <a:bodyPr vert="horz" lIns="91440" tIns="45720" rIns="91440" bIns="45720" rtlCol="0"/>
+          <a:lstStyle/>
+          <a:p>
+            <a:pPr lvl="0"/>
+            <a:r>
+              <a:rPr lang="nb-NO"/>
+              <a:t>Klikk for å redigere tekststiler i malen</a:t>
+            </a:r>
+          </a:p>
+          <a:p>
+            <a:pPr lvl="1"/>
+            <a:r>
+              <a:rPr lang="nb-NO"/>
+              <a:t>Andre nivå</a:t>
+            </a:r>
+          </a:p>
+          <a:p>
+            <a:pPr lvl="2"/>
+            <a:r>
+              <a:rPr lang="nb-NO"/>
+              <a:t>Tredje nivå</a:t>
+            </a:r>
+          </a:p>
+          <a:p>
+            <a:pPr lvl="3"/>
+            <a:r>
+              <a:rPr lang="nb-NO"/>
+              <a:t>Fjerde nivå</a:t>
+            </a:r>
+          </a:p>
+          <a:p>
+            <a:pPr lvl="4"/>
+            <a:r>
+              <a:rPr lang="nb-NO"/>
+              <a:t>Femte nivå</a:t>
+            </a:r>
+          </a:p>
+        </p:txBody>
+      </p:sp>
+      <p:sp>
+        <p:nvSpPr>
+          <p:cNvPr id="6" name="Plassholder for bunntekst 5"/>
+          <p:cNvSpPr>
+            <a:spLocks noGrp="1"/>
+          </p:cNvSpPr>
+          <p:nvPr>
+            <p:ph type="ftr" sz="quarter" idx="4"/>
+          </p:nvPr>
+        </p:nvSpPr>
+        <p:spPr>
+          <a:xfrm>
+            <a:off x="0" y="9721850"/>
+            <a:ext cx="3078163" cy="512763"/>
+          </a:xfrm>
+          <a:prstGeom prst="rect">
+            <a:avLst/>
+          </a:prstGeom>
+        </p:spPr>
+        <p:txBody>
+          <a:bodyPr vert="horz" lIns="91440" tIns="45720" rIns="91440" bIns="45720" rtlCol="0" anchor="b"/>
+          <a:lstStyle>
+            <a:lvl1pPr algn="l">
+              <a:defRPr sz="1200"/>
+            </a:lvl1pPr>
+          </a:lstStyle>
+          <a:p>
+            <a:endParaRPr lang="nb-NO"/>
+          </a:p>
+        </p:txBody>
+      </p:sp>
+      <p:sp>
+        <p:nvSpPr>
+          <p:cNvPr id="7" name="Plassholder for lysbildenummer 6"/>
+          <p:cNvSpPr>
+            <a:spLocks noGrp="1"/>
+          </p:cNvSpPr>
+          <p:nvPr>
+            <p:ph type="sldNum" sz="quarter" idx="5"/>
+          </p:nvPr>
+        </p:nvSpPr>
+        <p:spPr>
+          <a:xfrm>
+            <a:off x="4024313" y="9721850"/>
+            <a:ext cx="3078162" cy="512763"/>
+          </a:xfrm>
+          <a:prstGeom prst="rect">
+            <a:avLst/>
+          </a:prstGeom>
+        </p:spPr>
+        <p:txBody>
+          <a:bodyPr vert="horz" lIns="91440" tIns="45720" rIns="91440" bIns="45720" rtlCol="0" anchor="b"/>
+          <a:lstStyle>
+            <a:lvl1pPr algn="r">
+              <a:defRPr sz="1200"/>
+            </a:lvl1pPr>
+          </a:lstStyle>
+          <a:p>
+            <a:fld id="{5FAAB0FB-076D-46DF-8A5E-3AC35A7728CA}" type="slidenum">
+              <a:rPr lang="nb-NO" smtClean="0"/>
+              <a:t>‹#›</a:t>
+            </a:fld>
+            <a:endParaRPr lang="nb-NO"/>
+          </a:p>
+        </p:txBody>
+      </p:sp>
+    </p:spTree>
+    <p:extLst>
+      <p:ext uri="{BB962C8B-B14F-4D97-AF65-F5344CB8AC3E}">
+        <p14:creationId xmlns:p14="http://schemas.microsoft.com/office/powerpoint/2010/main" val="122070112"/>
+      </p:ext>
+    </p:extLst>
+  </p:cSld>
+  <p:clrMap bg1="lt1" tx1="dk1" bg2="lt2" tx2="dk2" accent1="accent1" accent2="accent2" accent3="accent3" accent4="accent4" accent5="accent5" accent6="accent6" hlink="hlink" folHlink="folHlink"/>
+  <p:notesStyle>
+    <a:lvl1pPr marL="0" algn="l" defTabSz="914400" rtl="0" eaLnBrk="1" latinLnBrk="0" hangingPunct="1">
+      <a:defRPr sz="1200" kern="1200">
+        <a:solidFill>
+          <a:schemeClr val="tx1"/>
+        </a:solidFill>
+        <a:latin typeface="+mn-lt"/>
+        <a:ea typeface="+mn-ea"/>
+        <a:cs typeface="+mn-cs"/>
+      </a:defRPr>
+    </a:lvl1pPr>
+    <a:lvl2pPr marL="457200" algn="l" defTabSz="914400" rtl="0" eaLnBrk="1" latinLnBrk="0" hangingPunct="1">
+      <a:defRPr sz="1200" kern="1200">
+        <a:solidFill>
+          <a:schemeClr val="tx1"/>
+        </a:solidFill>
+        <a:latin typeface="+mn-lt"/>
+        <a:ea typeface="+mn-ea"/>
+        <a:cs typeface="+mn-cs"/>
+      </a:defRPr>
+    </a:lvl2pPr>
+    <a:lvl3pPr marL="914400" algn="l" defTabSz="914400" rtl="0" eaLnBrk="1" latinLnBrk="0" hangingPunct="1">
+      <a:defRPr sz="1200" kern="1200">
+        <a:solidFill>
+          <a:schemeClr val="tx1"/>
+        </a:solidFill>
+        <a:latin typeface="+mn-lt"/>
+        <a:ea typeface="+mn-ea"/>
+        <a:cs typeface="+mn-cs"/>
+      </a:defRPr>
+    </a:lvl3pPr>
+    <a:lvl4pPr marL="1371600" algn="l" defTabSz="914400" rtl="0" eaLnBrk="1" latinLnBrk="0" hangingPunct="1">
+      <a:defRPr sz="1200" kern="1200">
+        <a:solidFill>
+          <a:schemeClr val="tx1"/>
+        </a:solidFill>
+        <a:latin typeface="+mn-lt"/>
+        <a:ea typeface="+mn-ea"/>
+        <a:cs typeface="+mn-cs"/>
+      </a:defRPr>
+    </a:lvl4pPr>
+    <a:lvl5pPr marL="1828800" algn="l" defTabSz="914400" rtl="0" eaLnBrk="1" latinLnBrk="0" hangingPunct="1">
+      <a:defRPr sz="1200" kern="1200">
+        <a:solidFill>
+          <a:schemeClr val="tx1"/>
+        </a:solidFill>
+        <a:latin typeface="+mn-lt"/>
+        <a:ea typeface="+mn-ea"/>
+        <a:cs typeface="+mn-cs"/>
+      </a:defRPr>
+    </a:lvl5pPr>
+    <a:lvl6pPr marL="2286000" algn="l" defTabSz="914400" rtl="0" eaLnBrk="1" latinLnBrk="0" hangingPunct="1">
+      <a:defRPr sz="1200" kern="1200">
+        <a:solidFill>
+          <a:schemeClr val="tx1"/>
+        </a:solidFill>
+        <a:latin typeface="+mn-lt"/>
+        <a:ea typeface="+mn-ea"/>
+        <a:cs typeface="+mn-cs"/>
+      </a:defRPr>
+    </a:lvl6pPr>
+    <a:lvl7pPr marL="2743200" algn="l" defTabSz="914400" rtl="0" eaLnBrk="1" latinLnBrk="0" hangingPunct="1">
+      <a:defRPr sz="1200" kern="1200">
+        <a:solidFill>
+          <a:schemeClr val="tx1"/>
+        </a:solidFill>
+        <a:latin typeface="+mn-lt"/>
+        <a:ea typeface="+mn-ea"/>
+        <a:cs typeface="+mn-cs"/>
+      </a:defRPr>
+    </a:lvl7pPr>
+    <a:lvl8pPr marL="3200400" algn="l" defTabSz="914400" rtl="0" eaLnBrk="1" latinLnBrk="0" hangingPunct="1">
+      <a:defRPr sz="1200" kern="1200">
+        <a:solidFill>
+          <a:schemeClr val="tx1"/>
+        </a:solidFill>
+        <a:latin typeface="+mn-lt"/>
+        <a:ea typeface="+mn-ea"/>
+        <a:cs typeface="+mn-cs"/>
+      </a:defRPr>
+    </a:lvl8pPr>
+    <a:lvl9pPr marL="3657600" algn="l" defTabSz="914400" rtl="0" eaLnBrk="1" latinLnBrk="0" hangingPunct="1">
+      <a:defRPr sz="1200" kern="1200">
+        <a:solidFill>
+          <a:schemeClr val="tx1"/>
+        </a:solidFill>
+        <a:latin typeface="+mn-lt"/>
+        <a:ea typeface="+mn-ea"/>
+        <a:cs typeface="+mn-cs"/>
+      </a:defRPr>
+    </a:lvl9pPr>
+  </p:notesStyle>
+</p:notesMaster>
+</file>
+
+<file path=ppt/notesSlides/notesSlide1.xml><?xml version="1.0" encoding="utf-8"?>
+<p:notes xmlns:a="http://schemas.openxmlformats.org/drawingml/2006/main" xmlns:r="http://schemas.openxmlformats.org/officeDocument/2006/relationships" xmlns:p="http://schemas.openxmlformats.org/presentationml/2006/main">
+  <p:cSld>
+    <p:spTree>
+      <p:nvGrpSpPr>
+        <p:cNvPr id="1" name=""/>
+        <p:cNvGrpSpPr/>
+        <p:nvPr/>
+      </p:nvGrpSpPr>
+      <p:grpSpPr>
+        <a:xfrm>
+          <a:off x="0" y="0"/>
+          <a:ext cx="0" cy="0"/>
+          <a:chOff x="0" y="0"/>
+          <a:chExt cx="0" cy="0"/>
+        </a:xfrm>
+      </p:grpSpPr>
+      <p:sp>
+        <p:nvSpPr>
+          <p:cNvPr id="2" name="Plassholder for lysbilde 1"/>
+          <p:cNvSpPr>
+            <a:spLocks noGrp="1" noRot="1" noChangeAspect="1"/>
+          </p:cNvSpPr>
+          <p:nvPr>
+            <p:ph type="sldImg"/>
+          </p:nvPr>
+        </p:nvSpPr>
+        <p:spPr/>
+      </p:sp>
+      <p:sp>
+        <p:nvSpPr>
+          <p:cNvPr id="3" name="Plassholder for notater 2"/>
+          <p:cNvSpPr>
+            <a:spLocks noGrp="1"/>
+          </p:cNvSpPr>
+          <p:nvPr>
+            <p:ph type="body" idx="1"/>
+          </p:nvPr>
+        </p:nvSpPr>
+        <p:spPr/>
+        <p:txBody>
+          <a:bodyPr/>
+          <a:lstStyle/>
+          <a:p>
+            <a:r>
+              <a:rPr lang="en-US" b="0" i="0" dirty="0">
+                <a:effectLst/>
+                <a:highlight>
+                  <a:srgbClr val="FFFFFF"/>
+                </a:highlight>
+                <a:latin typeface="system-ui"/>
+              </a:rPr>
+              <a:t>Adding more layers to a CCN-model should enhance its capacity to learn more complex features from the data</a:t>
+            </a:r>
+            <a:r>
+              <a:rPr lang="en-US" b="0" i="0">
+                <a:effectLst/>
+                <a:highlight>
+                  <a:srgbClr val="FFFFFF"/>
+                </a:highlight>
+                <a:latin typeface="system-ui"/>
+              </a:rPr>
+              <a:t>. </a:t>
+            </a:r>
+          </a:p>
+          <a:p>
+            <a:r>
+              <a:rPr lang="en-US" b="0" i="0">
+                <a:effectLst/>
+                <a:highlight>
+                  <a:srgbClr val="FFFFFF"/>
+                </a:highlight>
+                <a:latin typeface="system-ui"/>
+              </a:rPr>
+              <a:t>And </a:t>
+            </a:r>
+            <a:r>
+              <a:rPr lang="en-US" b="0" i="0" dirty="0">
+                <a:effectLst/>
+                <a:highlight>
+                  <a:srgbClr val="FFFFFF"/>
+                </a:highlight>
+                <a:latin typeface="system-ui"/>
+              </a:rPr>
+              <a:t>adding double convolution layers should allow the network to perform more complex feature extraction before pooling and enable it to better recognize and combine detailed patterns within the input data.</a:t>
+            </a:r>
+            <a:endParaRPr lang="nb-NO" dirty="0"/>
+          </a:p>
+        </p:txBody>
+      </p:sp>
+      <p:sp>
+        <p:nvSpPr>
+          <p:cNvPr id="4" name="Plassholder for lysbildenummer 3"/>
+          <p:cNvSpPr>
+            <a:spLocks noGrp="1"/>
+          </p:cNvSpPr>
+          <p:nvPr>
+            <p:ph type="sldNum" sz="quarter" idx="5"/>
+          </p:nvPr>
+        </p:nvSpPr>
+        <p:spPr/>
+        <p:txBody>
+          <a:bodyPr/>
+          <a:lstStyle/>
+          <a:p>
+            <a:fld id="{5FAAB0FB-076D-46DF-8A5E-3AC35A7728CA}" type="slidenum">
+              <a:rPr lang="nb-NO" smtClean="0"/>
+              <a:t>6</a:t>
+            </a:fld>
+            <a:endParaRPr lang="nb-NO"/>
+          </a:p>
+        </p:txBody>
+      </p:sp>
+    </p:spTree>
+    <p:extLst>
+      <p:ext uri="{BB962C8B-B14F-4D97-AF65-F5344CB8AC3E}">
+        <p14:creationId xmlns:p14="http://schemas.microsoft.com/office/powerpoint/2010/main" val="3780375611"/>
+      </p:ext>
+    </p:extLst>
+  </p:cSld>
+  <p:clrMapOvr>
+    <a:masterClrMapping/>
+  </p:clrMapOvr>
+</p:notes>
+</file>
+
 <file path=ppt/slideLayouts/slideLayout1.xml><?xml version="1.0" encoding="utf-8"?>
 <p:sldLayout xmlns:a="http://schemas.openxmlformats.org/drawingml/2006/main" xmlns:r="http://schemas.openxmlformats.org/officeDocument/2006/relationships" xmlns:p="http://schemas.openxmlformats.org/presentationml/2006/main" type="title" preserve="1">
   <p:cSld name="Tittellysbilde">
@@ -374,7 +852,7 @@
           <a:p>
             <a:fld id="{931A3752-8A8F-4359-8609-793A0769CE6F}" type="datetimeFigureOut">
               <a:rPr lang="nb-NO" smtClean="0"/>
-              <a:t>29.05.2024</a:t>
+              <a:t>30.05.2024</a:t>
             </a:fld>
             <a:endParaRPr lang="nb-NO"/>
           </a:p>
@@ -572,7 +1050,7 @@
           <a:p>
             <a:fld id="{931A3752-8A8F-4359-8609-793A0769CE6F}" type="datetimeFigureOut">
               <a:rPr lang="nb-NO" smtClean="0"/>
-              <a:t>29.05.2024</a:t>
+              <a:t>30.05.2024</a:t>
             </a:fld>
             <a:endParaRPr lang="nb-NO"/>
           </a:p>
@@ -780,7 +1258,7 @@
           <a:p>
             <a:fld id="{931A3752-8A8F-4359-8609-793A0769CE6F}" type="datetimeFigureOut">
               <a:rPr lang="nb-NO" smtClean="0"/>
-              <a:t>29.05.2024</a:t>
+              <a:t>30.05.2024</a:t>
             </a:fld>
             <a:endParaRPr lang="nb-NO"/>
           </a:p>
@@ -978,7 +1456,7 @@
           <a:p>
             <a:fld id="{931A3752-8A8F-4359-8609-793A0769CE6F}" type="datetimeFigureOut">
               <a:rPr lang="nb-NO" smtClean="0"/>
-              <a:t>29.05.2024</a:t>
+              <a:t>30.05.2024</a:t>
             </a:fld>
             <a:endParaRPr lang="nb-NO"/>
           </a:p>
@@ -1253,7 +1731,7 @@
           <a:p>
             <a:fld id="{931A3752-8A8F-4359-8609-793A0769CE6F}" type="datetimeFigureOut">
               <a:rPr lang="nb-NO" smtClean="0"/>
-              <a:t>29.05.2024</a:t>
+              <a:t>30.05.2024</a:t>
             </a:fld>
             <a:endParaRPr lang="nb-NO"/>
           </a:p>
@@ -1518,7 +1996,7 @@
           <a:p>
             <a:fld id="{931A3752-8A8F-4359-8609-793A0769CE6F}" type="datetimeFigureOut">
               <a:rPr lang="nb-NO" smtClean="0"/>
-              <a:t>29.05.2024</a:t>
+              <a:t>30.05.2024</a:t>
             </a:fld>
             <a:endParaRPr lang="nb-NO"/>
           </a:p>
@@ -1930,7 +2408,7 @@
           <a:p>
             <a:fld id="{931A3752-8A8F-4359-8609-793A0769CE6F}" type="datetimeFigureOut">
               <a:rPr lang="nb-NO" smtClean="0"/>
-              <a:t>29.05.2024</a:t>
+              <a:t>30.05.2024</a:t>
             </a:fld>
             <a:endParaRPr lang="nb-NO"/>
           </a:p>
@@ -2071,7 +2549,7 @@
           <a:p>
             <a:fld id="{931A3752-8A8F-4359-8609-793A0769CE6F}" type="datetimeFigureOut">
               <a:rPr lang="nb-NO" smtClean="0"/>
-              <a:t>29.05.2024</a:t>
+              <a:t>30.05.2024</a:t>
             </a:fld>
             <a:endParaRPr lang="nb-NO"/>
           </a:p>
@@ -2184,7 +2662,7 @@
           <a:p>
             <a:fld id="{931A3752-8A8F-4359-8609-793A0769CE6F}" type="datetimeFigureOut">
               <a:rPr lang="nb-NO" smtClean="0"/>
-              <a:t>29.05.2024</a:t>
+              <a:t>30.05.2024</a:t>
             </a:fld>
             <a:endParaRPr lang="nb-NO"/>
           </a:p>
@@ -2495,7 +2973,7 @@
           <a:p>
             <a:fld id="{931A3752-8A8F-4359-8609-793A0769CE6F}" type="datetimeFigureOut">
               <a:rPr lang="nb-NO" smtClean="0"/>
-              <a:t>29.05.2024</a:t>
+              <a:t>30.05.2024</a:t>
             </a:fld>
             <a:endParaRPr lang="nb-NO"/>
           </a:p>
@@ -2783,7 +3261,7 @@
           <a:p>
             <a:fld id="{931A3752-8A8F-4359-8609-793A0769CE6F}" type="datetimeFigureOut">
               <a:rPr lang="nb-NO" smtClean="0"/>
-              <a:t>29.05.2024</a:t>
+              <a:t>30.05.2024</a:t>
             </a:fld>
             <a:endParaRPr lang="nb-NO"/>
           </a:p>
@@ -3024,7 +3502,7 @@
           <a:p>
             <a:fld id="{931A3752-8A8F-4359-8609-793A0769CE6F}" type="datetimeFigureOut">
               <a:rPr lang="nb-NO" smtClean="0"/>
-              <a:t>29.05.2024</a:t>
+              <a:t>30.05.2024</a:t>
             </a:fld>
             <a:endParaRPr lang="nb-NO"/>
           </a:p>
@@ -5008,7 +5486,7 @@
         </p:blipFill>
         <p:spPr>
           <a:xfrm>
-            <a:off x="6096000" y="1690688"/>
+            <a:off x="5551434" y="1690688"/>
             <a:ext cx="5802366" cy="5099050"/>
           </a:xfrm>
           <a:prstGeom prst="rect">
@@ -5016,6 +5494,60 @@
           </a:prstGeom>
         </p:spPr>
       </p:pic>
+      <p:sp>
+        <p:nvSpPr>
+          <p:cNvPr id="6" name="TextBox 3">
+            <a:extLst>
+              <a:ext uri="{FF2B5EF4-FFF2-40B4-BE49-F238E27FC236}">
+                <a16:creationId xmlns:a16="http://schemas.microsoft.com/office/drawing/2014/main" id="{62790945-AC2A-6FA3-231A-58C96FDDE84B}"/>
+              </a:ext>
+            </a:extLst>
+          </p:cNvPr>
+          <p:cNvSpPr txBox="1"/>
+          <p:nvPr/>
+        </p:nvSpPr>
+        <p:spPr>
+          <a:xfrm>
+            <a:off x="838200" y="2095635"/>
+            <a:ext cx="3749183" cy="3785652"/>
+          </a:xfrm>
+          <a:prstGeom prst="rect">
+            <a:avLst/>
+          </a:prstGeom>
+          <a:noFill/>
+        </p:spPr>
+        <p:txBody>
+          <a:bodyPr wrap="square">
+            <a:spAutoFit/>
+          </a:bodyPr>
+          <a:lstStyle/>
+          <a:p>
+            <a:pPr marL="285750" indent="-285750">
+              <a:buFont typeface="Arial" panose="020B0604020202020204" pitchFamily="34" charset="0"/>
+              <a:buChar char="•"/>
+            </a:pPr>
+            <a:r>
+              <a:rPr lang="en-US" sz="2400" dirty="0"/>
+              <a:t>The categories are somewhat unevenly distributed – which can make some categories harder to classify</a:t>
+            </a:r>
+          </a:p>
+          <a:p>
+            <a:pPr marL="285750" indent="-285750">
+              <a:buFont typeface="Arial" panose="020B0604020202020204" pitchFamily="34" charset="0"/>
+              <a:buChar char="•"/>
+            </a:pPr>
+            <a:r>
+              <a:rPr lang="en-US" sz="2400" dirty="0"/>
+              <a:t>Since portals are not part of the original study and it is the smallest category, we will remove it from our study</a:t>
+            </a:r>
+            <a:endParaRPr lang="en-GB" sz="2400" b="1" dirty="0">
+              <a:solidFill>
+                <a:srgbClr val="C00000"/>
+              </a:solidFill>
+            </a:endParaRPr>
+          </a:p>
+        </p:txBody>
+      </p:sp>
     </p:spTree>
     <p:extLst>
       <p:ext uri="{BB962C8B-B14F-4D97-AF65-F5344CB8AC3E}">
@@ -5107,7 +5639,7 @@
           <p:nvPr/>
         </p:nvPicPr>
         <p:blipFill>
-          <a:blip r:embed="rId2">
+          <a:blip r:embed="rId3">
             <a:extLst>
               <a:ext uri="{28A0092B-C50C-407E-A947-70E740481C1C}">
                 <a14:useLocalDpi xmlns:a14="http://schemas.microsoft.com/office/drawing/2010/main" val="0"/>
@@ -6051,4 +6583,319 @@
     </a:ext>
   </a:extLst>
 </a:theme>
+</file>
+
+<file path=ppt/theme/theme2.xml><?xml version="1.0" encoding="utf-8"?>
+<a:theme xmlns:a="http://schemas.openxmlformats.org/drawingml/2006/main" name="Office-tema">
+  <a:themeElements>
+    <a:clrScheme name="Office">
+      <a:dk1>
+        <a:sysClr val="windowText" lastClr="000000"/>
+      </a:dk1>
+      <a:lt1>
+        <a:sysClr val="window" lastClr="FFFFFF"/>
+      </a:lt1>
+      <a:dk2>
+        <a:srgbClr val="0E2841"/>
+      </a:dk2>
+      <a:lt2>
+        <a:srgbClr val="E8E8E8"/>
+      </a:lt2>
+      <a:accent1>
+        <a:srgbClr val="156082"/>
+      </a:accent1>
+      <a:accent2>
+        <a:srgbClr val="E97132"/>
+      </a:accent2>
+      <a:accent3>
+        <a:srgbClr val="196B24"/>
+      </a:accent3>
+      <a:accent4>
+        <a:srgbClr val="0F9ED5"/>
+      </a:accent4>
+      <a:accent5>
+        <a:srgbClr val="A02B93"/>
+      </a:accent5>
+      <a:accent6>
+        <a:srgbClr val="4EA72E"/>
+      </a:accent6>
+      <a:hlink>
+        <a:srgbClr val="467886"/>
+      </a:hlink>
+      <a:folHlink>
+        <a:srgbClr val="96607D"/>
+      </a:folHlink>
+    </a:clrScheme>
+    <a:fontScheme name="Office">
+      <a:majorFont>
+        <a:latin typeface="Aptos Display" panose="02110004020202020204"/>
+        <a:ea typeface=""/>
+        <a:cs typeface=""/>
+        <a:font script="Jpan" typeface="游ゴシック Light"/>
+        <a:font script="Hang" typeface="맑은 고딕"/>
+        <a:font script="Hans" typeface="等线 Light"/>
+        <a:font script="Hant" typeface="新細明體"/>
+        <a:font script="Arab" typeface="Times New Roman"/>
+        <a:font script="Hebr" typeface="Times New Roman"/>
+        <a:font script="Thai" typeface="Angsana New"/>
+        <a:font script="Ethi" typeface="Nyala"/>
+        <a:font script="Beng" typeface="Vrinda"/>
+        <a:font script="Gujr" typeface="Shruti"/>
+        <a:font script="Khmr" typeface="MoolBoran"/>
+        <a:font script="Knda" typeface="Tunga"/>
+        <a:font script="Guru" typeface="Raavi"/>
+        <a:font script="Cans" typeface="Euphemia"/>
+        <a:font script="Cher" typeface="Plantagenet Cherokee"/>
+        <a:font script="Yiii" typeface="Microsoft Yi Baiti"/>
+        <a:font script="Tibt" typeface="Microsoft Himalaya"/>
+        <a:font script="Thaa" typeface="MV Boli"/>
+        <a:font script="Deva" typeface="Mangal"/>
+        <a:font script="Telu" typeface="Gautami"/>
+        <a:font script="Taml" typeface="Latha"/>
+        <a:font script="Syrc" typeface="Estrangelo Edessa"/>
+        <a:font script="Orya" typeface="Kalinga"/>
+        <a:font script="Mlym" typeface="Kartika"/>
+        <a:font script="Laoo" typeface="DokChampa"/>
+        <a:font script="Sinh" typeface="Iskoola Pota"/>
+        <a:font script="Mong" typeface="Mongolian Baiti"/>
+        <a:font script="Viet" typeface="Times New Roman"/>
+        <a:font script="Uigh" typeface="Microsoft Uighur"/>
+        <a:font script="Geor" typeface="Sylfaen"/>
+        <a:font script="Armn" typeface="Arial"/>
+        <a:font script="Bugi" typeface="Leelawadee UI"/>
+        <a:font script="Bopo" typeface="Microsoft JhengHei"/>
+        <a:font script="Java" typeface="Javanese Text"/>
+        <a:font script="Lisu" typeface="Segoe UI"/>
+        <a:font script="Mymr" typeface="Myanmar Text"/>
+        <a:font script="Nkoo" typeface="Ebrima"/>
+        <a:font script="Olck" typeface="Nirmala UI"/>
+        <a:font script="Osma" typeface="Ebrima"/>
+        <a:font script="Phag" typeface="Phagspa"/>
+        <a:font script="Syrn" typeface="Estrangelo Edessa"/>
+        <a:font script="Syrj" typeface="Estrangelo Edessa"/>
+        <a:font script="Syre" typeface="Estrangelo Edessa"/>
+        <a:font script="Sora" typeface="Nirmala UI"/>
+        <a:font script="Tale" typeface="Microsoft Tai Le"/>
+        <a:font script="Talu" typeface="Microsoft New Tai Lue"/>
+        <a:font script="Tfng" typeface="Ebrima"/>
+      </a:majorFont>
+      <a:minorFont>
+        <a:latin typeface="Aptos" panose="02110004020202020204"/>
+        <a:ea typeface=""/>
+        <a:cs typeface=""/>
+        <a:font script="Jpan" typeface="游ゴシック"/>
+        <a:font script="Hang" typeface="맑은 고딕"/>
+        <a:font script="Hans" typeface="等线"/>
+        <a:font script="Hant" typeface="新細明體"/>
+        <a:font script="Arab" typeface="Arial"/>
+        <a:font script="Hebr" typeface="Arial"/>
+        <a:font script="Thai" typeface="Cordia New"/>
+        <a:font script="Ethi" typeface="Nyala"/>
+        <a:font script="Beng" typeface="Vrinda"/>
+        <a:font script="Gujr" typeface="Shruti"/>
+        <a:font script="Khmr" typeface="DaunPenh"/>
+        <a:font script="Knda" typeface="Tunga"/>
+        <a:font script="Guru" typeface="Raavi"/>
+        <a:font script="Cans" typeface="Euphemia"/>
+        <a:font script="Cher" typeface="Plantagenet Cherokee"/>
+        <a:font script="Yiii" typeface="Microsoft Yi Baiti"/>
+        <a:font script="Tibt" typeface="Microsoft Himalaya"/>
+        <a:font script="Thaa" typeface="MV Boli"/>
+        <a:font script="Deva" typeface="Mangal"/>
+        <a:font script="Telu" typeface="Gautami"/>
+        <a:font script="Taml" typeface="Latha"/>
+        <a:font script="Syrc" typeface="Estrangelo Edessa"/>
+        <a:font script="Orya" typeface="Kalinga"/>
+        <a:font script="Mlym" typeface="Kartika"/>
+        <a:font script="Laoo" typeface="DokChampa"/>
+        <a:font script="Sinh" typeface="Iskoola Pota"/>
+        <a:font script="Mong" typeface="Mongolian Baiti"/>
+        <a:font script="Viet" typeface="Arial"/>
+        <a:font script="Uigh" typeface="Microsoft Uighur"/>
+        <a:font script="Geor" typeface="Sylfaen"/>
+        <a:font script="Armn" typeface="Arial"/>
+        <a:font script="Bugi" typeface="Leelawadee UI"/>
+        <a:font script="Bopo" typeface="Microsoft JhengHei"/>
+        <a:font script="Java" typeface="Javanese Text"/>
+        <a:font script="Lisu" typeface="Segoe UI"/>
+        <a:font script="Mymr" typeface="Myanmar Text"/>
+        <a:font script="Nkoo" typeface="Ebrima"/>
+        <a:font script="Olck" typeface="Nirmala UI"/>
+        <a:font script="Osma" typeface="Ebrima"/>
+        <a:font script="Phag" typeface="Phagspa"/>
+        <a:font script="Syrn" typeface="Estrangelo Edessa"/>
+        <a:font script="Syrj" typeface="Estrangelo Edessa"/>
+        <a:font script="Syre" typeface="Estrangelo Edessa"/>
+        <a:font script="Sora" typeface="Nirmala UI"/>
+        <a:font script="Tale" typeface="Microsoft Tai Le"/>
+        <a:font script="Talu" typeface="Microsoft New Tai Lue"/>
+        <a:font script="Tfng" typeface="Ebrima"/>
+      </a:minorFont>
+    </a:fontScheme>
+    <a:fmtScheme name="Office">
+      <a:fillStyleLst>
+        <a:solidFill>
+          <a:schemeClr val="phClr"/>
+        </a:solidFill>
+        <a:gradFill rotWithShape="1">
+          <a:gsLst>
+            <a:gs pos="0">
+              <a:schemeClr val="phClr">
+                <a:lumMod val="110000"/>
+                <a:satMod val="105000"/>
+                <a:tint val="67000"/>
+              </a:schemeClr>
+            </a:gs>
+            <a:gs pos="50000">
+              <a:schemeClr val="phClr">
+                <a:lumMod val="105000"/>
+                <a:satMod val="103000"/>
+                <a:tint val="73000"/>
+              </a:schemeClr>
+            </a:gs>
+            <a:gs pos="100000">
+              <a:schemeClr val="phClr">
+                <a:lumMod val="105000"/>
+                <a:satMod val="109000"/>
+                <a:tint val="81000"/>
+              </a:schemeClr>
+            </a:gs>
+          </a:gsLst>
+          <a:lin ang="5400000" scaled="0"/>
+        </a:gradFill>
+        <a:gradFill rotWithShape="1">
+          <a:gsLst>
+            <a:gs pos="0">
+              <a:schemeClr val="phClr">
+                <a:satMod val="103000"/>
+                <a:lumMod val="102000"/>
+                <a:tint val="94000"/>
+              </a:schemeClr>
+            </a:gs>
+            <a:gs pos="50000">
+              <a:schemeClr val="phClr">
+                <a:satMod val="110000"/>
+                <a:lumMod val="100000"/>
+                <a:shade val="100000"/>
+              </a:schemeClr>
+            </a:gs>
+            <a:gs pos="100000">
+              <a:schemeClr val="phClr">
+                <a:lumMod val="99000"/>
+                <a:satMod val="120000"/>
+                <a:shade val="78000"/>
+              </a:schemeClr>
+            </a:gs>
+          </a:gsLst>
+          <a:lin ang="5400000" scaled="0"/>
+        </a:gradFill>
+      </a:fillStyleLst>
+      <a:lnStyleLst>
+        <a:ln w="12700" cap="flat" cmpd="sng" algn="ctr">
+          <a:solidFill>
+            <a:schemeClr val="phClr"/>
+          </a:solidFill>
+          <a:prstDash val="solid"/>
+          <a:miter lim="800000"/>
+        </a:ln>
+        <a:ln w="19050" cap="flat" cmpd="sng" algn="ctr">
+          <a:solidFill>
+            <a:schemeClr val="phClr"/>
+          </a:solidFill>
+          <a:prstDash val="solid"/>
+          <a:miter lim="800000"/>
+        </a:ln>
+        <a:ln w="25400" cap="flat" cmpd="sng" algn="ctr">
+          <a:solidFill>
+            <a:schemeClr val="phClr"/>
+          </a:solidFill>
+          <a:prstDash val="solid"/>
+          <a:miter lim="800000"/>
+        </a:ln>
+      </a:lnStyleLst>
+      <a:effectStyleLst>
+        <a:effectStyle>
+          <a:effectLst/>
+        </a:effectStyle>
+        <a:effectStyle>
+          <a:effectLst/>
+        </a:effectStyle>
+        <a:effectStyle>
+          <a:effectLst>
+            <a:outerShdw blurRad="57150" dist="19050" dir="5400000" algn="ctr" rotWithShape="0">
+              <a:srgbClr val="000000">
+                <a:alpha val="63000"/>
+              </a:srgbClr>
+            </a:outerShdw>
+          </a:effectLst>
+        </a:effectStyle>
+      </a:effectStyleLst>
+      <a:bgFillStyleLst>
+        <a:solidFill>
+          <a:schemeClr val="phClr"/>
+        </a:solidFill>
+        <a:solidFill>
+          <a:schemeClr val="phClr">
+            <a:tint val="95000"/>
+            <a:satMod val="170000"/>
+          </a:schemeClr>
+        </a:solidFill>
+        <a:gradFill rotWithShape="1">
+          <a:gsLst>
+            <a:gs pos="0">
+              <a:schemeClr val="phClr">
+                <a:tint val="93000"/>
+                <a:satMod val="150000"/>
+                <a:shade val="98000"/>
+                <a:lumMod val="102000"/>
+              </a:schemeClr>
+            </a:gs>
+            <a:gs pos="50000">
+              <a:schemeClr val="phClr">
+                <a:tint val="98000"/>
+                <a:satMod val="130000"/>
+                <a:shade val="90000"/>
+                <a:lumMod val="103000"/>
+              </a:schemeClr>
+            </a:gs>
+            <a:gs pos="100000">
+              <a:schemeClr val="phClr">
+                <a:shade val="63000"/>
+                <a:satMod val="120000"/>
+              </a:schemeClr>
+            </a:gs>
+          </a:gsLst>
+          <a:lin ang="5400000" scaled="0"/>
+        </a:gradFill>
+      </a:bgFillStyleLst>
+    </a:fmtScheme>
+  </a:themeElements>
+  <a:objectDefaults>
+    <a:lnDef>
+      <a:spPr/>
+      <a:bodyPr/>
+      <a:lstStyle/>
+      <a:style>
+        <a:lnRef idx="2">
+          <a:schemeClr val="accent1"/>
+        </a:lnRef>
+        <a:fillRef idx="0">
+          <a:schemeClr val="accent1"/>
+        </a:fillRef>
+        <a:effectRef idx="1">
+          <a:schemeClr val="accent1"/>
+        </a:effectRef>
+        <a:fontRef idx="minor">
+          <a:schemeClr val="tx1"/>
+        </a:fontRef>
+      </a:style>
+    </a:lnDef>
+  </a:objectDefaults>
+  <a:extraClrSchemeLst/>
+  <a:extLst>
+    <a:ext uri="{05A4C25C-085E-4340-85A3-A5531E510DB2}">
+      <thm15:themeFamily xmlns:thm15="http://schemas.microsoft.com/office/thememl/2012/main" name="Office Theme" id="{2E142A2C-CD16-42D6-873A-C26D2A0506FA}" vid="{1BDDFF52-6CD6-40A5-AB3C-68EB2F1E4D0A}"/>
+    </a:ext>
+  </a:extLst>
+</a:theme>
 </file>
--- a/presentation.pptx
+++ b/presentation.pptx
@@ -6067,8 +6067,13 @@
             </a:pPr>
             <a:r>
               <a:rPr lang="en-US" sz="2400" dirty="0"/>
-              <a:t>L2 regularization factor of 0.001 and 0.01</a:t>
-            </a:r>
+              <a:t>L2 regularization factor of 0.001 </a:t>
+            </a:r>
+            <a:r>
+              <a:rPr lang="en-US" sz="2400"/>
+              <a:t>and 0.0001</a:t>
+            </a:r>
+            <a:endParaRPr lang="en-US" sz="2400" dirty="0"/>
           </a:p>
         </p:txBody>
       </p:sp>

--- a/presentation.pptx
+++ b/presentation.pptx
@@ -5714,13 +5714,8 @@
                   <a:srgbClr val="C00000"/>
                 </a:solidFill>
               </a:rPr>
-              <a:t>doble convolution layer </a:t>
-            </a:r>
-            <a:endParaRPr lang="en-GB" sz="2400" b="1" dirty="0">
-              <a:solidFill>
-                <a:srgbClr val="C00000"/>
-              </a:solidFill>
-            </a:endParaRPr>
+              <a:t>double convolution layer </a:t>
+            </a:r>
           </a:p>
         </p:txBody>
       </p:sp>
